--- a/Group2 Presentation.pptx
+++ b/Group2 Presentation.pptx
@@ -291,7 +291,7 @@
           <a:p>
             <a:fld id="{ECEB8E25-3DD4-45B6-B375-172539D48629}" type="datetimeFigureOut">
               <a:rPr lang="en-GB" smtClean="0"/>
-              <a:t>12/03/2022</a:t>
+              <a:t>17/03/2022</a:t>
             </a:fld>
             <a:endParaRPr lang="en-GB"/>
           </a:p>
@@ -461,7 +461,7 @@
           <a:p>
             <a:fld id="{ECEB8E25-3DD4-45B6-B375-172539D48629}" type="datetimeFigureOut">
               <a:rPr lang="en-GB" smtClean="0"/>
-              <a:t>12/03/2022</a:t>
+              <a:t>17/03/2022</a:t>
             </a:fld>
             <a:endParaRPr lang="en-GB"/>
           </a:p>
@@ -641,7 +641,7 @@
           <a:p>
             <a:fld id="{ECEB8E25-3DD4-45B6-B375-172539D48629}" type="datetimeFigureOut">
               <a:rPr lang="en-GB" smtClean="0"/>
-              <a:t>12/03/2022</a:t>
+              <a:t>17/03/2022</a:t>
             </a:fld>
             <a:endParaRPr lang="en-GB"/>
           </a:p>
@@ -811,7 +811,7 @@
           <a:p>
             <a:fld id="{ECEB8E25-3DD4-45B6-B375-172539D48629}" type="datetimeFigureOut">
               <a:rPr lang="en-GB" smtClean="0"/>
-              <a:t>12/03/2022</a:t>
+              <a:t>17/03/2022</a:t>
             </a:fld>
             <a:endParaRPr lang="en-GB"/>
           </a:p>
@@ -1057,7 +1057,7 @@
           <a:p>
             <a:fld id="{ECEB8E25-3DD4-45B6-B375-172539D48629}" type="datetimeFigureOut">
               <a:rPr lang="en-GB" smtClean="0"/>
-              <a:t>12/03/2022</a:t>
+              <a:t>17/03/2022</a:t>
             </a:fld>
             <a:endParaRPr lang="en-GB"/>
           </a:p>
@@ -1345,7 +1345,7 @@
           <a:p>
             <a:fld id="{ECEB8E25-3DD4-45B6-B375-172539D48629}" type="datetimeFigureOut">
               <a:rPr lang="en-GB" smtClean="0"/>
-              <a:t>12/03/2022</a:t>
+              <a:t>17/03/2022</a:t>
             </a:fld>
             <a:endParaRPr lang="en-GB"/>
           </a:p>
@@ -1767,7 +1767,7 @@
           <a:p>
             <a:fld id="{ECEB8E25-3DD4-45B6-B375-172539D48629}" type="datetimeFigureOut">
               <a:rPr lang="en-GB" smtClean="0"/>
-              <a:t>12/03/2022</a:t>
+              <a:t>17/03/2022</a:t>
             </a:fld>
             <a:endParaRPr lang="en-GB"/>
           </a:p>
@@ -1885,7 +1885,7 @@
           <a:p>
             <a:fld id="{ECEB8E25-3DD4-45B6-B375-172539D48629}" type="datetimeFigureOut">
               <a:rPr lang="en-GB" smtClean="0"/>
-              <a:t>12/03/2022</a:t>
+              <a:t>17/03/2022</a:t>
             </a:fld>
             <a:endParaRPr lang="en-GB"/>
           </a:p>
@@ -1980,7 +1980,7 @@
           <a:p>
             <a:fld id="{ECEB8E25-3DD4-45B6-B375-172539D48629}" type="datetimeFigureOut">
               <a:rPr lang="en-GB" smtClean="0"/>
-              <a:t>12/03/2022</a:t>
+              <a:t>17/03/2022</a:t>
             </a:fld>
             <a:endParaRPr lang="en-GB"/>
           </a:p>
@@ -2257,7 +2257,7 @@
           <a:p>
             <a:fld id="{ECEB8E25-3DD4-45B6-B375-172539D48629}" type="datetimeFigureOut">
               <a:rPr lang="en-GB" smtClean="0"/>
-              <a:t>12/03/2022</a:t>
+              <a:t>17/03/2022</a:t>
             </a:fld>
             <a:endParaRPr lang="en-GB"/>
           </a:p>
@@ -2510,7 +2510,7 @@
           <a:p>
             <a:fld id="{ECEB8E25-3DD4-45B6-B375-172539D48629}" type="datetimeFigureOut">
               <a:rPr lang="en-GB" smtClean="0"/>
-              <a:t>12/03/2022</a:t>
+              <a:t>17/03/2022</a:t>
             </a:fld>
             <a:endParaRPr lang="en-GB"/>
           </a:p>
@@ -2575,9 +2575,15 @@
 <p:sldMaster xmlns:a="http://schemas.openxmlformats.org/drawingml/2006/main" xmlns:r="http://schemas.openxmlformats.org/officeDocument/2006/relationships" xmlns:p="http://schemas.openxmlformats.org/presentationml/2006/main">
   <p:cSld>
     <p:bg>
-      <p:bgRef idx="1001">
-        <a:schemeClr val="bg1"/>
-      </p:bgRef>
+      <p:bgPr>
+        <a:solidFill>
+          <a:schemeClr val="accent1">
+            <a:lumMod val="60000"/>
+            <a:lumOff val="40000"/>
+          </a:schemeClr>
+        </a:solidFill>
+        <a:effectLst/>
+      </p:bgPr>
     </p:bg>
     <p:spTree>
       <p:nvGrpSpPr>
@@ -2723,7 +2729,7 @@
           <a:p>
             <a:fld id="{ECEB8E25-3DD4-45B6-B375-172539D48629}" type="datetimeFigureOut">
               <a:rPr lang="en-GB" smtClean="0"/>
-              <a:t>12/03/2022</a:t>
+              <a:t>17/03/2022</a:t>
             </a:fld>
             <a:endParaRPr lang="en-GB"/>
           </a:p>
@@ -3210,6 +3216,55 @@
       </p:grpSpPr>
       <p:sp>
         <p:nvSpPr>
+          <p:cNvPr id="4" name="Title 1"/>
+          <p:cNvSpPr txBox="1">
+            <a:spLocks/>
+          </p:cNvSpPr>
+          <p:nvPr/>
+        </p:nvSpPr>
+        <p:spPr>
+          <a:xfrm>
+            <a:off x="0" y="0"/>
+            <a:ext cx="9144000" cy="1417638"/>
+          </a:xfrm>
+          <a:prstGeom prst="rect">
+            <a:avLst/>
+          </a:prstGeom>
+          <a:solidFill>
+            <a:schemeClr val="accent1"/>
+          </a:solidFill>
+        </p:spPr>
+        <p:txBody>
+          <a:bodyPr vert="horz" lIns="91440" tIns="45720" rIns="91440" bIns="45720" rtlCol="0" anchor="ctr">
+            <a:normAutofit/>
+          </a:bodyPr>
+          <a:lstStyle>
+            <a:lvl1pPr algn="ctr" defTabSz="914400" rtl="0" eaLnBrk="1" latinLnBrk="0" hangingPunct="1">
+              <a:spcBef>
+                <a:spcPct val="0"/>
+              </a:spcBef>
+              <a:buNone/>
+              <a:defRPr sz="4400" kern="1200">
+                <a:solidFill>
+                  <a:schemeClr val="tx1"/>
+                </a:solidFill>
+                <a:latin typeface="+mj-lt"/>
+                <a:ea typeface="+mj-ea"/>
+                <a:cs typeface="+mj-cs"/>
+              </a:defRPr>
+            </a:lvl1pPr>
+          </a:lstStyle>
+          <a:p>
+            <a:r>
+              <a:rPr lang="en-GB" smtClean="0"/>
+              <a:t> </a:t>
+            </a:r>
+            <a:endParaRPr lang="en-GB" dirty="0"/>
+          </a:p>
+        </p:txBody>
+      </p:sp>
+      <p:sp>
+        <p:nvSpPr>
           <p:cNvPr id="2" name="Title 1"/>
           <p:cNvSpPr>
             <a:spLocks noGrp="1"/>
@@ -3224,10 +3279,16 @@
           <a:lstStyle/>
           <a:p>
             <a:r>
-              <a:rPr lang="en-GB" dirty="0" smtClean="0"/>
+              <a:rPr lang="en-GB" dirty="0" smtClean="0">
+                <a:latin typeface="Arial" pitchFamily="34" charset="0"/>
+                <a:cs typeface="Arial" pitchFamily="34" charset="0"/>
+              </a:rPr>
               <a:t>XYZ Retail</a:t>
             </a:r>
-            <a:endParaRPr lang="en-GB" dirty="0"/>
+            <a:endParaRPr lang="en-GB" dirty="0">
+              <a:latin typeface="Arial" pitchFamily="34" charset="0"/>
+              <a:cs typeface="Arial" pitchFamily="34" charset="0"/>
+            </a:endParaRPr>
           </a:p>
         </p:txBody>
       </p:sp>
@@ -3249,37 +3310,55 @@
           <a:lstStyle/>
           <a:p>
             <a:r>
-              <a:rPr lang="en-GB" dirty="0" smtClean="0"/>
+              <a:rPr lang="en-GB" dirty="0" smtClean="0">
+                <a:latin typeface="Arial" pitchFamily="34" charset="0"/>
+                <a:cs typeface="Arial" pitchFamily="34" charset="0"/>
+              </a:rPr>
               <a:t>Create a shopping website</a:t>
             </a:r>
           </a:p>
           <a:p>
             <a:r>
-              <a:rPr lang="en-GB" dirty="0" smtClean="0"/>
+              <a:rPr lang="en-GB" dirty="0" smtClean="0">
+                <a:latin typeface="Arial" pitchFamily="34" charset="0"/>
+                <a:cs typeface="Arial" pitchFamily="34" charset="0"/>
+              </a:rPr>
               <a:t>Allow users to input how many of an item they want.</a:t>
             </a:r>
           </a:p>
           <a:p>
             <a:r>
-              <a:rPr lang="en-GB" dirty="0" smtClean="0"/>
+              <a:rPr lang="en-GB" dirty="0" smtClean="0">
+                <a:latin typeface="Arial" pitchFamily="34" charset="0"/>
+                <a:cs typeface="Arial" pitchFamily="34" charset="0"/>
+              </a:rPr>
               <a:t>Display a final bill with taxes.</a:t>
             </a:r>
           </a:p>
           <a:p>
             <a:r>
-              <a:rPr lang="en-GB" dirty="0" smtClean="0"/>
+              <a:rPr lang="en-GB" dirty="0" smtClean="0">
+                <a:latin typeface="Arial" pitchFamily="34" charset="0"/>
+                <a:cs typeface="Arial" pitchFamily="34" charset="0"/>
+              </a:rPr>
               <a:t>Throw custom exceptions with meaningful messages.</a:t>
             </a:r>
           </a:p>
           <a:p>
             <a:r>
-              <a:rPr lang="en-GB" dirty="0" smtClean="0"/>
+              <a:rPr lang="en-GB" dirty="0" smtClean="0">
+                <a:latin typeface="Arial" pitchFamily="34" charset="0"/>
+                <a:cs typeface="Arial" pitchFamily="34" charset="0"/>
+              </a:rPr>
               <a:t>Make use of database.</a:t>
             </a:r>
           </a:p>
           <a:p>
             <a:r>
-              <a:rPr lang="en-GB" dirty="0" smtClean="0"/>
+              <a:rPr lang="en-GB" dirty="0" smtClean="0">
+                <a:latin typeface="Arial" pitchFamily="34" charset="0"/>
+                <a:cs typeface="Arial" pitchFamily="34" charset="0"/>
+              </a:rPr>
               <a:t>Flexible enough to handle new items, types and to change sales tax.</a:t>
             </a:r>
           </a:p>
@@ -3320,6 +3399,55 @@
       </p:grpSpPr>
       <p:sp>
         <p:nvSpPr>
+          <p:cNvPr id="4" name="Title 1"/>
+          <p:cNvSpPr txBox="1">
+            <a:spLocks/>
+          </p:cNvSpPr>
+          <p:nvPr/>
+        </p:nvSpPr>
+        <p:spPr>
+          <a:xfrm>
+            <a:off x="0" y="0"/>
+            <a:ext cx="9144000" cy="1417638"/>
+          </a:xfrm>
+          <a:prstGeom prst="rect">
+            <a:avLst/>
+          </a:prstGeom>
+          <a:solidFill>
+            <a:schemeClr val="accent1"/>
+          </a:solidFill>
+        </p:spPr>
+        <p:txBody>
+          <a:bodyPr vert="horz" lIns="91440" tIns="45720" rIns="91440" bIns="45720" rtlCol="0" anchor="ctr">
+            <a:normAutofit/>
+          </a:bodyPr>
+          <a:lstStyle>
+            <a:lvl1pPr algn="ctr" defTabSz="914400" rtl="0" eaLnBrk="1" latinLnBrk="0" hangingPunct="1">
+              <a:spcBef>
+                <a:spcPct val="0"/>
+              </a:spcBef>
+              <a:buNone/>
+              <a:defRPr sz="4400" kern="1200">
+                <a:solidFill>
+                  <a:schemeClr val="tx1"/>
+                </a:solidFill>
+                <a:latin typeface="+mj-lt"/>
+                <a:ea typeface="+mj-ea"/>
+                <a:cs typeface="+mj-cs"/>
+              </a:defRPr>
+            </a:lvl1pPr>
+          </a:lstStyle>
+          <a:p>
+            <a:r>
+              <a:rPr lang="en-GB" smtClean="0"/>
+              <a:t> </a:t>
+            </a:r>
+            <a:endParaRPr lang="en-GB" dirty="0"/>
+          </a:p>
+        </p:txBody>
+      </p:sp>
+      <p:sp>
+        <p:nvSpPr>
           <p:cNvPr id="2" name="Title 1"/>
           <p:cNvSpPr>
             <a:spLocks noGrp="1"/>
@@ -3334,10 +3462,16 @@
           <a:lstStyle/>
           <a:p>
             <a:r>
-              <a:rPr lang="en-GB" dirty="0" smtClean="0"/>
+              <a:rPr lang="en-GB" dirty="0" smtClean="0">
+                <a:latin typeface="Arial" pitchFamily="34" charset="0"/>
+                <a:cs typeface="Arial" pitchFamily="34" charset="0"/>
+              </a:rPr>
               <a:t>Assumptions</a:t>
             </a:r>
-            <a:endParaRPr lang="en-GB" dirty="0"/>
+            <a:endParaRPr lang="en-GB" dirty="0">
+              <a:latin typeface="Arial" pitchFamily="34" charset="0"/>
+              <a:cs typeface="Arial" pitchFamily="34" charset="0"/>
+            </a:endParaRPr>
           </a:p>
         </p:txBody>
       </p:sp>
@@ -3357,47 +3491,68 @@
           <a:lstStyle/>
           <a:p>
             <a:r>
-              <a:rPr lang="en-GB" dirty="0" smtClean="0"/>
+              <a:rPr lang="en-GB" dirty="0" smtClean="0">
+                <a:latin typeface="Arial" pitchFamily="34" charset="0"/>
+                <a:cs typeface="Arial" pitchFamily="34" charset="0"/>
+              </a:rPr>
               <a:t>Don’t Overburden User:</a:t>
             </a:r>
           </a:p>
           <a:p>
             <a:pPr lvl="1"/>
             <a:r>
-              <a:rPr lang="en-GB" dirty="0" smtClean="0"/>
+              <a:rPr lang="en-GB" dirty="0" smtClean="0">
+                <a:latin typeface="Arial" pitchFamily="34" charset="0"/>
+                <a:cs typeface="Arial" pitchFamily="34" charset="0"/>
+              </a:rPr>
               <a:t>Split Shop into 3</a:t>
             </a:r>
           </a:p>
           <a:p>
             <a:pPr lvl="1"/>
             <a:r>
-              <a:rPr lang="en-GB" dirty="0" smtClean="0"/>
+              <a:rPr lang="en-GB" dirty="0" smtClean="0">
+                <a:latin typeface="Arial" pitchFamily="34" charset="0"/>
+                <a:cs typeface="Arial" pitchFamily="34" charset="0"/>
+              </a:rPr>
               <a:t>Type</a:t>
             </a:r>
           </a:p>
           <a:p>
             <a:pPr lvl="1"/>
             <a:r>
-              <a:rPr lang="en-GB" dirty="0" smtClean="0"/>
+              <a:rPr lang="en-GB" dirty="0" smtClean="0">
+                <a:latin typeface="Arial" pitchFamily="34" charset="0"/>
+                <a:cs typeface="Arial" pitchFamily="34" charset="0"/>
+              </a:rPr>
               <a:t>Item List</a:t>
             </a:r>
           </a:p>
           <a:p>
             <a:pPr lvl="1"/>
             <a:r>
-              <a:rPr lang="en-GB" dirty="0" smtClean="0"/>
+              <a:rPr lang="en-GB" dirty="0" smtClean="0">
+                <a:latin typeface="Arial" pitchFamily="34" charset="0"/>
+                <a:cs typeface="Arial" pitchFamily="34" charset="0"/>
+              </a:rPr>
               <a:t>Item</a:t>
             </a:r>
           </a:p>
           <a:p>
             <a:r>
-              <a:rPr lang="en-GB" dirty="0" smtClean="0"/>
+              <a:rPr lang="en-GB" dirty="0" smtClean="0">
+                <a:latin typeface="Arial" pitchFamily="34" charset="0"/>
+                <a:cs typeface="Arial" pitchFamily="34" charset="0"/>
+              </a:rPr>
               <a:t>Customer Login/Registration</a:t>
             </a:r>
           </a:p>
           <a:p>
             <a:r>
-              <a:rPr lang="en-GB" dirty="0" smtClean="0"/>
+              <a:rPr lang="en-GB" dirty="0" smtClean="0">
+                <a:latin typeface="Arial" pitchFamily="34" charset="0"/>
+                <a:cs typeface="Arial" pitchFamily="34" charset="0"/>
+              </a:rPr>
               <a:t>Saved Basket of items.</a:t>
             </a:r>
           </a:p>
@@ -3435,6 +3590,55 @@
       </p:grpSpPr>
       <p:sp>
         <p:nvSpPr>
+          <p:cNvPr id="4" name="Title 1"/>
+          <p:cNvSpPr txBox="1">
+            <a:spLocks/>
+          </p:cNvSpPr>
+          <p:nvPr/>
+        </p:nvSpPr>
+        <p:spPr>
+          <a:xfrm>
+            <a:off x="0" y="0"/>
+            <a:ext cx="9144000" cy="1417638"/>
+          </a:xfrm>
+          <a:prstGeom prst="rect">
+            <a:avLst/>
+          </a:prstGeom>
+          <a:solidFill>
+            <a:schemeClr val="accent1"/>
+          </a:solidFill>
+        </p:spPr>
+        <p:txBody>
+          <a:bodyPr vert="horz" lIns="91440" tIns="45720" rIns="91440" bIns="45720" rtlCol="0" anchor="ctr">
+            <a:normAutofit/>
+          </a:bodyPr>
+          <a:lstStyle>
+            <a:lvl1pPr algn="ctr" defTabSz="914400" rtl="0" eaLnBrk="1" latinLnBrk="0" hangingPunct="1">
+              <a:spcBef>
+                <a:spcPct val="0"/>
+              </a:spcBef>
+              <a:buNone/>
+              <a:defRPr sz="4400" kern="1200">
+                <a:solidFill>
+                  <a:schemeClr val="tx1"/>
+                </a:solidFill>
+                <a:latin typeface="+mj-lt"/>
+                <a:ea typeface="+mj-ea"/>
+                <a:cs typeface="+mj-cs"/>
+              </a:defRPr>
+            </a:lvl1pPr>
+          </a:lstStyle>
+          <a:p>
+            <a:r>
+              <a:rPr lang="en-GB" smtClean="0"/>
+              <a:t> </a:t>
+            </a:r>
+            <a:endParaRPr lang="en-GB" dirty="0"/>
+          </a:p>
+        </p:txBody>
+      </p:sp>
+      <p:sp>
+        <p:nvSpPr>
           <p:cNvPr id="2" name="Title 1"/>
           <p:cNvSpPr>
             <a:spLocks noGrp="1"/>
@@ -3449,10 +3653,16 @@
           <a:lstStyle/>
           <a:p>
             <a:r>
-              <a:rPr lang="en-GB" dirty="0" smtClean="0"/>
+              <a:rPr lang="en-GB" dirty="0" smtClean="0">
+                <a:latin typeface="Arial" pitchFamily="34" charset="0"/>
+                <a:cs typeface="Arial" pitchFamily="34" charset="0"/>
+              </a:rPr>
               <a:t>Responsibilities</a:t>
             </a:r>
-            <a:endParaRPr lang="en-GB" dirty="0"/>
+            <a:endParaRPr lang="en-GB" dirty="0">
+              <a:latin typeface="Arial" pitchFamily="34" charset="0"/>
+              <a:cs typeface="Arial" pitchFamily="34" charset="0"/>
+            </a:endParaRPr>
           </a:p>
         </p:txBody>
       </p:sp>
@@ -3472,33 +3682,103 @@
           <a:lstStyle/>
           <a:p>
             <a:r>
-              <a:rPr lang="en-GB" dirty="0" smtClean="0"/>
-              <a:t>Colman Lo: Order Service</a:t>
-            </a:r>
-          </a:p>
-          <a:p>
-            <a:r>
-              <a:rPr lang="en-GB" dirty="0" smtClean="0"/>
-              <a:t>Jozef Bohosian: Stock Service and Website Controllers</a:t>
-            </a:r>
-          </a:p>
-          <a:p>
-            <a:r>
-              <a:rPr lang="en-GB" dirty="0" smtClean="0"/>
-              <a:t>Mohsen Goodarzi: Stock Service and general help to other sections</a:t>
-            </a:r>
-          </a:p>
-          <a:p>
-            <a:r>
-              <a:rPr lang="en-GB" dirty="0" smtClean="0"/>
-              <a:t>Paul van Sittert: Accounts</a:t>
-            </a:r>
-          </a:p>
-          <a:p>
-            <a:r>
-              <a:rPr lang="en-GB" dirty="0" smtClean="0"/>
-              <a:t>Suraiya Zabeen: Email and Webpages</a:t>
-            </a:r>
+              <a:rPr lang="en-GB" dirty="0" smtClean="0">
+                <a:latin typeface="Arial" pitchFamily="34" charset="0"/>
+                <a:cs typeface="Arial" pitchFamily="34" charset="0"/>
+              </a:rPr>
+              <a:t>Colman Lo: Order </a:t>
+            </a:r>
+            <a:r>
+              <a:rPr lang="en-GB" dirty="0" smtClean="0">
+                <a:latin typeface="Arial" pitchFamily="34" charset="0"/>
+                <a:cs typeface="Arial" pitchFamily="34" charset="0"/>
+              </a:rPr>
+              <a:t>Service.</a:t>
+            </a:r>
+            <a:endParaRPr lang="en-GB" dirty="0" smtClean="0">
+              <a:latin typeface="Arial" pitchFamily="34" charset="0"/>
+              <a:cs typeface="Arial" pitchFamily="34" charset="0"/>
+            </a:endParaRPr>
+          </a:p>
+          <a:p>
+            <a:r>
+              <a:rPr lang="en-GB" dirty="0" smtClean="0">
+                <a:latin typeface="Arial" pitchFamily="34" charset="0"/>
+                <a:cs typeface="Arial" pitchFamily="34" charset="0"/>
+              </a:rPr>
+              <a:t>Jozef Bohosian: Stock Service and Website </a:t>
+            </a:r>
+            <a:r>
+              <a:rPr lang="en-GB" dirty="0" smtClean="0">
+                <a:latin typeface="Arial" pitchFamily="34" charset="0"/>
+                <a:cs typeface="Arial" pitchFamily="34" charset="0"/>
+              </a:rPr>
+              <a:t>Controllers.</a:t>
+            </a:r>
+            <a:endParaRPr lang="en-GB" dirty="0" smtClean="0">
+              <a:latin typeface="Arial" pitchFamily="34" charset="0"/>
+              <a:cs typeface="Arial" pitchFamily="34" charset="0"/>
+            </a:endParaRPr>
+          </a:p>
+          <a:p>
+            <a:r>
+              <a:rPr lang="en-GB" dirty="0" smtClean="0">
+                <a:latin typeface="Arial" pitchFamily="34" charset="0"/>
+                <a:cs typeface="Arial" pitchFamily="34" charset="0"/>
+              </a:rPr>
+              <a:t>Mohsen Goodarzi: Stock </a:t>
+            </a:r>
+            <a:r>
+              <a:rPr lang="en-GB" dirty="0" smtClean="0">
+                <a:latin typeface="Arial" pitchFamily="34" charset="0"/>
+                <a:cs typeface="Arial" pitchFamily="34" charset="0"/>
+              </a:rPr>
+              <a:t>Service, Website Redesign and General problem solving.</a:t>
+            </a:r>
+            <a:endParaRPr lang="en-GB" dirty="0" smtClean="0">
+              <a:latin typeface="Arial" pitchFamily="34" charset="0"/>
+              <a:cs typeface="Arial" pitchFamily="34" charset="0"/>
+            </a:endParaRPr>
+          </a:p>
+          <a:p>
+            <a:r>
+              <a:rPr lang="en-GB" dirty="0" smtClean="0">
+                <a:latin typeface="Arial" pitchFamily="34" charset="0"/>
+                <a:cs typeface="Arial" pitchFamily="34" charset="0"/>
+              </a:rPr>
+              <a:t>Paul van Sittert: </a:t>
+            </a:r>
+            <a:r>
+              <a:rPr lang="en-GB" dirty="0" smtClean="0">
+                <a:latin typeface="Arial" pitchFamily="34" charset="0"/>
+                <a:cs typeface="Arial" pitchFamily="34" charset="0"/>
+              </a:rPr>
+              <a:t>Accounts, Cart and Checkout.</a:t>
+            </a:r>
+            <a:endParaRPr lang="en-GB" dirty="0" smtClean="0">
+              <a:latin typeface="Arial" pitchFamily="34" charset="0"/>
+              <a:cs typeface="Arial" pitchFamily="34" charset="0"/>
+            </a:endParaRPr>
+          </a:p>
+          <a:p>
+            <a:r>
+              <a:rPr lang="en-GB" dirty="0" smtClean="0">
+                <a:latin typeface="Arial" pitchFamily="34" charset="0"/>
+                <a:cs typeface="Arial" pitchFamily="34" charset="0"/>
+              </a:rPr>
+              <a:t>Suraiya Zabeen: Email and </a:t>
+            </a:r>
+            <a:r>
+              <a:rPr lang="en-GB" dirty="0" smtClean="0">
+                <a:latin typeface="Arial" pitchFamily="34" charset="0"/>
+                <a:cs typeface="Arial" pitchFamily="34" charset="0"/>
+              </a:rPr>
+              <a:t>Webpages.</a:t>
+            </a:r>
+            <a:endParaRPr lang="en-GB" dirty="0" smtClean="0">
+              <a:latin typeface="Arial" pitchFamily="34" charset="0"/>
+              <a:cs typeface="Arial" pitchFamily="34" charset="0"/>
+            </a:endParaRPr>
           </a:p>
           <a:p>
             <a:endParaRPr lang="en-GB" dirty="0"/>
